--- a/аналитика/лекции/1 введение в анализ данных.pptx
+++ b/аналитика/лекции/1 введение в анализ данных.pptx
@@ -2562,7 +2562,7 @@
             <a:fld id="{948BAD79-22D6-4737-BCD4-FCB60EB6EBE8}" type="datetimeFigureOut">
               <a:rPr lang="ru-RU" smtClean="0"/>
               <a:pPr/>
-              <a:t>18.02.2026</a:t>
+              <a:t>25.02.2026</a:t>
             </a:fld>
             <a:endParaRPr lang="ru-RU"/>
           </a:p>
@@ -2729,7 +2729,7 @@
             <a:fld id="{948BAD79-22D6-4737-BCD4-FCB60EB6EBE8}" type="datetimeFigureOut">
               <a:rPr lang="ru-RU" smtClean="0"/>
               <a:pPr/>
-              <a:t>18.02.2026</a:t>
+              <a:t>25.02.2026</a:t>
             </a:fld>
             <a:endParaRPr lang="ru-RU"/>
           </a:p>
@@ -2906,7 +2906,7 @@
             <a:fld id="{948BAD79-22D6-4737-BCD4-FCB60EB6EBE8}" type="datetimeFigureOut">
               <a:rPr lang="ru-RU" smtClean="0"/>
               <a:pPr/>
-              <a:t>18.02.2026</a:t>
+              <a:t>25.02.2026</a:t>
             </a:fld>
             <a:endParaRPr lang="ru-RU"/>
           </a:p>
@@ -3073,7 +3073,7 @@
             <a:fld id="{948BAD79-22D6-4737-BCD4-FCB60EB6EBE8}" type="datetimeFigureOut">
               <a:rPr lang="ru-RU" smtClean="0"/>
               <a:pPr/>
-              <a:t>18.02.2026</a:t>
+              <a:t>25.02.2026</a:t>
             </a:fld>
             <a:endParaRPr lang="ru-RU"/>
           </a:p>
@@ -3316,7 +3316,7 @@
             <a:fld id="{948BAD79-22D6-4737-BCD4-FCB60EB6EBE8}" type="datetimeFigureOut">
               <a:rPr lang="ru-RU" smtClean="0"/>
               <a:pPr/>
-              <a:t>18.02.2026</a:t>
+              <a:t>25.02.2026</a:t>
             </a:fld>
             <a:endParaRPr lang="ru-RU"/>
           </a:p>
@@ -3601,7 +3601,7 @@
             <a:fld id="{948BAD79-22D6-4737-BCD4-FCB60EB6EBE8}" type="datetimeFigureOut">
               <a:rPr lang="ru-RU" smtClean="0"/>
               <a:pPr/>
-              <a:t>18.02.2026</a:t>
+              <a:t>25.02.2026</a:t>
             </a:fld>
             <a:endParaRPr lang="ru-RU"/>
           </a:p>
@@ -4020,7 +4020,7 @@
             <a:fld id="{948BAD79-22D6-4737-BCD4-FCB60EB6EBE8}" type="datetimeFigureOut">
               <a:rPr lang="ru-RU" smtClean="0"/>
               <a:pPr/>
-              <a:t>18.02.2026</a:t>
+              <a:t>25.02.2026</a:t>
             </a:fld>
             <a:endParaRPr lang="ru-RU"/>
           </a:p>
@@ -4135,7 +4135,7 @@
             <a:fld id="{948BAD79-22D6-4737-BCD4-FCB60EB6EBE8}" type="datetimeFigureOut">
               <a:rPr lang="ru-RU" smtClean="0"/>
               <a:pPr/>
-              <a:t>18.02.2026</a:t>
+              <a:t>25.02.2026</a:t>
             </a:fld>
             <a:endParaRPr lang="ru-RU"/>
           </a:p>
@@ -4227,7 +4227,7 @@
             <a:fld id="{948BAD79-22D6-4737-BCD4-FCB60EB6EBE8}" type="datetimeFigureOut">
               <a:rPr lang="ru-RU" smtClean="0"/>
               <a:pPr/>
-              <a:t>18.02.2026</a:t>
+              <a:t>25.02.2026</a:t>
             </a:fld>
             <a:endParaRPr lang="ru-RU"/>
           </a:p>
@@ -4501,7 +4501,7 @@
             <a:fld id="{948BAD79-22D6-4737-BCD4-FCB60EB6EBE8}" type="datetimeFigureOut">
               <a:rPr lang="ru-RU" smtClean="0"/>
               <a:pPr/>
-              <a:t>18.02.2026</a:t>
+              <a:t>25.02.2026</a:t>
             </a:fld>
             <a:endParaRPr lang="ru-RU"/>
           </a:p>
@@ -4751,7 +4751,7 @@
             <a:fld id="{948BAD79-22D6-4737-BCD4-FCB60EB6EBE8}" type="datetimeFigureOut">
               <a:rPr lang="ru-RU" smtClean="0"/>
               <a:pPr/>
-              <a:t>18.02.2026</a:t>
+              <a:t>25.02.2026</a:t>
             </a:fld>
             <a:endParaRPr lang="ru-RU"/>
           </a:p>
@@ -4961,7 +4961,7 @@
             <a:fld id="{948BAD79-22D6-4737-BCD4-FCB60EB6EBE8}" type="datetimeFigureOut">
               <a:rPr lang="ru-RU" smtClean="0"/>
               <a:pPr/>
-              <a:t>18.02.2026</a:t>
+              <a:t>25.02.2026</a:t>
             </a:fld>
             <a:endParaRPr lang="ru-RU"/>
           </a:p>
@@ -6369,7 +6369,7 @@
         </p:blipFill>
         <p:spPr bwMode="auto">
           <a:xfrm>
-            <a:off x="0" y="5072074"/>
+            <a:off x="0" y="5357826"/>
             <a:ext cx="9144000" cy="500066"/>
           </a:xfrm>
           <a:prstGeom prst="rect">
@@ -6394,7 +6394,7 @@
         <p:spPr>
           <a:xfrm>
             <a:off x="5143504" y="1285860"/>
-            <a:ext cx="4000496" cy="3416320"/>
+            <a:ext cx="4000496" cy="3970318"/>
           </a:xfrm>
           <a:prstGeom prst="rect">
             <a:avLst/>
@@ -6621,9 +6621,44 @@
                 <a:latin typeface="Times New Roman" pitchFamily="18" charset="0"/>
                 <a:cs typeface="Times New Roman" pitchFamily="18" charset="0"/>
               </a:rPr>
-              <a:t> типы данных всех столбцов.</a:t>
-            </a:r>
-            <a:endParaRPr lang="ru-RU" dirty="0">
+              <a:t> типы данных всех столбцов</a:t>
+            </a:r>
+            <a:r>
+              <a:rPr lang="ru-RU" dirty="0" smtClean="0">
+                <a:latin typeface="Times New Roman" pitchFamily="18" charset="0"/>
+                <a:cs typeface="Times New Roman" pitchFamily="18" charset="0"/>
+              </a:rPr>
+              <a:t>.</a:t>
+            </a:r>
+            <a:endParaRPr lang="en-US" dirty="0" smtClean="0">
+              <a:latin typeface="Times New Roman" pitchFamily="18" charset="0"/>
+              <a:cs typeface="Times New Roman" pitchFamily="18" charset="0"/>
+            </a:endParaRPr>
+          </a:p>
+          <a:p>
+            <a:pPr algn="just"/>
+            <a:r>
+              <a:rPr lang="en-US" b="1" dirty="0" err="1" smtClean="0">
+                <a:latin typeface="Times New Roman" pitchFamily="18" charset="0"/>
+                <a:cs typeface="Times New Roman" pitchFamily="18" charset="0"/>
+              </a:rPr>
+              <a:t>df.describe</a:t>
+            </a:r>
+            <a:r>
+              <a:rPr lang="en-US" b="1" dirty="0" smtClean="0">
+                <a:latin typeface="Times New Roman" pitchFamily="18" charset="0"/>
+                <a:cs typeface="Times New Roman" pitchFamily="18" charset="0"/>
+              </a:rPr>
+              <a:t>() - </a:t>
+            </a:r>
+            <a:r>
+              <a:rPr lang="ru-RU" b="1" dirty="0" smtClean="0">
+                <a:latin typeface="Times New Roman" pitchFamily="18" charset="0"/>
+                <a:cs typeface="Times New Roman" pitchFamily="18" charset="0"/>
+              </a:rPr>
+              <a:t> статистические показатели</a:t>
+            </a:r>
+            <a:endParaRPr lang="ru-RU" b="1" dirty="0">
               <a:latin typeface="Times New Roman" pitchFamily="18" charset="0"/>
               <a:cs typeface="Times New Roman" pitchFamily="18" charset="0"/>
             </a:endParaRPr>
